--- a/Document/PPT/이기조_복약기록관리 10주차.pptx
+++ b/Document/PPT/이기조_복약기록관리 10주차.pptx
@@ -1,8 +1,8 @@
 
 <file path=ppt/presentation.xml><?xml version="1.0" encoding="utf-8"?>
-<p:presentation xmlns:a="http://schemas.openxmlformats.org/drawingml/2006/main" xmlns:r="http://schemas.openxmlformats.org/officeDocument/2006/relationships" xmlns:p="http://schemas.openxmlformats.org/presentationml/2006/main" embedTrueTypeFonts="1">
+<p:presentation xmlns:r="http://schemas.openxmlformats.org/officeDocument/2006/relationships" xmlns:c="http://schemas.openxmlformats.org/drawingml/2006/chart" xmlns:a="http://schemas.openxmlformats.org/drawingml/2006/main" xmlns:dgm="http://schemas.openxmlformats.org/drawingml/2006/diagram" xmlns:dsp="http://schemas.microsoft.com/office/drawing/2008/diagram" xmlns:p="http://schemas.openxmlformats.org/presentationml/2006/main">
   <p:sldMasterIdLst>
-    <p:sldMasterId id="2147483648" r:id="rId1"/>
+    <p:sldMasterId id="2147483686" r:id="rId1"/>
   </p:sldMasterIdLst>
   <p:sldIdLst>
     <p:sldId id="278" r:id="rId2"/>
@@ -106,22 +106,6 @@
       </a:defRPr>
     </a:lvl9pPr>
   </p:defaultTextStyle>
-  <p:extLst>
-    <p:ext uri="{EFAFB233-063F-42B5-8137-9DF3F51BA10A}">
-      <p15:sldGuideLst xmlns:p15="http://schemas.microsoft.com/office/powerpoint/2012/main">
-        <p15:guide id="1" orient="horz" pos="2183" userDrawn="1">
-          <p15:clr>
-            <a:srgbClr val="A4A3A4"/>
-          </p15:clr>
-        </p15:guide>
-        <p15:guide id="2" pos="3840" userDrawn="1">
-          <p15:clr>
-            <a:srgbClr val="A4A3A4"/>
-          </p15:clr>
-        </p15:guide>
-      </p15:sldGuideLst>
-    </p:ext>
-  </p:extLst>
 </p:presentation>
 </file>
 
@@ -4299,7 +4283,7 @@
 </file>
 
 <file path=ppt/slides/slide3.xml><?xml version="1.0" encoding="utf-8"?>
-<p:sld xmlns:a="http://schemas.openxmlformats.org/drawingml/2006/main" xmlns:r="http://schemas.openxmlformats.org/officeDocument/2006/relationships" xmlns:p="http://schemas.openxmlformats.org/presentationml/2006/main">
+<p:sld xmlns:r="http://schemas.openxmlformats.org/officeDocument/2006/relationships" xmlns:c="http://schemas.openxmlformats.org/drawingml/2006/chart" xmlns:a="http://schemas.openxmlformats.org/drawingml/2006/main" xmlns:dgm="http://schemas.openxmlformats.org/drawingml/2006/diagram" xmlns:dsp="http://schemas.microsoft.com/office/drawing/2008/diagram" xmlns:p="http://schemas.openxmlformats.org/presentationml/2006/main">
   <p:cSld>
     <p:spTree>
       <p:nvGrpSpPr>
@@ -4317,13 +4301,7 @@
       </p:grpSpPr>
       <p:cxnSp>
         <p:nvCxnSpPr>
-          <p:cNvPr id="4" name="직선 연결선 3">
-            <a:extLst>
-              <a:ext uri="{FF2B5EF4-FFF2-40B4-BE49-F238E27FC236}">
-                <a16:creationId xmlns:a16="http://schemas.microsoft.com/office/drawing/2014/main" id="{91783D2F-737E-4797-9853-8C85BE37E236}"/>
-              </a:ext>
-            </a:extLst>
-          </p:cNvPr>
+          <p:cNvPr id="4" name="직선 연결선 3"/>
           <p:cNvCxnSpPr/>
           <p:nvPr/>
         </p:nvCxnSpPr>
@@ -4353,13 +4331,7 @@
       </p:cxnSp>
       <p:sp>
         <p:nvSpPr>
-          <p:cNvPr id="2" name="TextBox 1">
-            <a:extLst>
-              <a:ext uri="{FF2B5EF4-FFF2-40B4-BE49-F238E27FC236}">
-                <a16:creationId xmlns:a16="http://schemas.microsoft.com/office/drawing/2014/main" id="{7B60BC49-090F-6864-64B6-2E7F16FBDF44}"/>
-              </a:ext>
-            </a:extLst>
-          </p:cNvPr>
+          <p:cNvPr id="2" name="TextBox 1"/>
           <p:cNvSpPr txBox="1"/>
           <p:nvPr/>
         </p:nvSpPr>
@@ -4374,11 +4346,14 @@
           <a:noFill/>
         </p:spPr>
         <p:txBody>
-          <a:bodyPr wrap="square" rtlCol="0">
+          <a:bodyPr wrap="square">
             <a:spAutoFit/>
           </a:bodyPr>
           <a:lstStyle/>
           <a:p>
+            <a:pPr lvl="0">
+              <a:defRPr/>
+            </a:pPr>
             <a:r>
               <a:rPr lang="ko-KR" altLang="en-US" sz="3600" b="1" spc="300">
                 <a:solidFill>
@@ -4386,8 +4361,8 @@
                     <a:lumMod val="50000"/>
                   </a:schemeClr>
                 </a:solidFill>
-                <a:latin typeface="나눔스퀘어 Bold" panose="020B0600000101010101" pitchFamily="50" charset="-127"/>
-                <a:ea typeface="나눔스퀘어 Bold" panose="020B0600000101010101" pitchFamily="50" charset="-127"/>
+                <a:latin typeface="나눔스퀘어 Bold"/>
+                <a:ea typeface="나눔스퀘어 Bold"/>
               </a:rPr>
               <a:t>알람 등록 </a:t>
             </a:r>
@@ -4398,8 +4373,8 @@
                     <a:lumMod val="50000"/>
                   </a:schemeClr>
                 </a:solidFill>
-                <a:latin typeface="나눔스퀘어 Bold" panose="020B0600000101010101" pitchFamily="50" charset="-127"/>
-                <a:ea typeface="나눔스퀘어 Bold" panose="020B0600000101010101" pitchFamily="50" charset="-127"/>
+                <a:latin typeface="나눔스퀘어 Bold"/>
+                <a:ea typeface="나눔스퀘어 Bold"/>
               </a:rPr>
               <a:t>UI </a:t>
             </a:r>
@@ -4410,36 +4385,33 @@
                     <a:lumMod val="50000"/>
                   </a:schemeClr>
                 </a:solidFill>
-                <a:latin typeface="나눔스퀘어 Bold" panose="020B0600000101010101" pitchFamily="50" charset="-127"/>
-                <a:ea typeface="나눔스퀘어 Bold" panose="020B0600000101010101" pitchFamily="50" charset="-127"/>
+                <a:latin typeface="나눔스퀘어 Bold"/>
+                <a:ea typeface="나눔스퀘어 Bold"/>
               </a:rPr>
               <a:t>작업</a:t>
             </a:r>
+            <a:endParaRPr lang="ko-KR" altLang="en-US" sz="3600" b="1" spc="300">
+              <a:solidFill>
+                <a:schemeClr val="accent1">
+                  <a:lumMod val="50000"/>
+                </a:schemeClr>
+              </a:solidFill>
+              <a:latin typeface="나눔스퀘어 Bold"/>
+              <a:ea typeface="나눔스퀘어 Bold"/>
+            </a:endParaRPr>
           </a:p>
         </p:txBody>
       </p:sp>
       <p:pic>
         <p:nvPicPr>
-          <p:cNvPr id="7" name="그림 6">
-            <a:extLst>
-              <a:ext uri="{FF2B5EF4-FFF2-40B4-BE49-F238E27FC236}">
-                <a16:creationId xmlns:a16="http://schemas.microsoft.com/office/drawing/2014/main" id="{0E3B80EA-DA7D-3424-696F-427207DD88F2}"/>
-              </a:ext>
-            </a:extLst>
-          </p:cNvPr>
+          <p:cNvPr id="7" name="그림 6"/>
           <p:cNvPicPr>
             <a:picLocks noChangeAspect="1"/>
           </p:cNvPicPr>
           <p:nvPr/>
         </p:nvPicPr>
-        <p:blipFill>
-          <a:blip r:embed="rId2">
-            <a:extLst>
-              <a:ext uri="{28A0092B-C50C-407E-A947-70E740481C1C}">
-                <a14:useLocalDpi xmlns:a14="http://schemas.microsoft.com/office/drawing/2010/main" val="0"/>
-              </a:ext>
-            </a:extLst>
-          </a:blip>
+        <p:blipFill rotWithShape="1">
+          <a:blip r:embed="rId2"/>
           <a:stretch>
             <a:fillRect/>
           </a:stretch>
@@ -4456,26 +4428,14 @@
       </p:pic>
       <p:pic>
         <p:nvPicPr>
-          <p:cNvPr id="10" name="그림 9">
-            <a:extLst>
-              <a:ext uri="{FF2B5EF4-FFF2-40B4-BE49-F238E27FC236}">
-                <a16:creationId xmlns:a16="http://schemas.microsoft.com/office/drawing/2014/main" id="{67C66E2C-11A9-A890-D0F1-EFCA6456A602}"/>
-              </a:ext>
-            </a:extLst>
-          </p:cNvPr>
+          <p:cNvPr id="10" name="그림 9"/>
           <p:cNvPicPr>
             <a:picLocks noChangeAspect="1"/>
           </p:cNvPicPr>
           <p:nvPr/>
         </p:nvPicPr>
-        <p:blipFill>
-          <a:blip r:embed="rId3">
-            <a:extLst>
-              <a:ext uri="{28A0092B-C50C-407E-A947-70E740481C1C}">
-                <a14:useLocalDpi xmlns:a14="http://schemas.microsoft.com/office/drawing/2010/main" val="0"/>
-              </a:ext>
-            </a:extLst>
-          </a:blip>
+        <p:blipFill rotWithShape="1">
+          <a:blip r:embed="rId3"/>
           <a:stretch>
             <a:fillRect/>
           </a:stretch>
@@ -4492,33 +4452,21 @@
       </p:pic>
       <p:grpSp>
         <p:nvGrpSpPr>
-          <p:cNvPr id="11" name="그룹 10">
-            <a:extLst>
-              <a:ext uri="{FF2B5EF4-FFF2-40B4-BE49-F238E27FC236}">
-                <a16:creationId xmlns:a16="http://schemas.microsoft.com/office/drawing/2014/main" id="{55B7C297-415A-6457-0E69-2315E3B48D0C}"/>
-              </a:ext>
-            </a:extLst>
-          </p:cNvPr>
+          <p:cNvPr id="11" name="그룹 10"/>
           <p:cNvGrpSpPr/>
           <p:nvPr/>
         </p:nvGrpSpPr>
         <p:grpSpPr>
-          <a:xfrm>
-            <a:off x="6799302" y="5223951"/>
-            <a:ext cx="5285861" cy="1101040"/>
-            <a:chOff x="2235634" y="1358660"/>
-            <a:chExt cx="6909732" cy="2012946"/>
+          <a:xfrm rot="0">
+            <a:off x="6799302" y="5223946"/>
+            <a:ext cx="5285860" cy="668893"/>
+            <a:chOff x="2235635" y="1358650"/>
+            <a:chExt cx="6909731" cy="2012955"/>
           </a:xfrm>
         </p:grpSpPr>
         <p:sp>
           <p:nvSpPr>
-            <p:cNvPr id="12" name="사각형: 둥근 모서리 11">
-              <a:extLst>
-                <a:ext uri="{FF2B5EF4-FFF2-40B4-BE49-F238E27FC236}">
-                  <a16:creationId xmlns:a16="http://schemas.microsoft.com/office/drawing/2014/main" id="{080E119F-762D-4B75-14A8-5152E38068DD}"/>
-                </a:ext>
-              </a:extLst>
-            </p:cNvPr>
+            <p:cNvPr id="12" name="사각형: 둥근 모서리 11"/>
             <p:cNvSpPr/>
             <p:nvPr/>
           </p:nvSpPr>
@@ -4528,7 +4476,9 @@
               <a:ext cx="6909731" cy="2012943"/>
             </a:xfrm>
             <a:prstGeom prst="roundRect">
-              <a:avLst/>
+              <a:avLst>
+                <a:gd name="adj" fmla="val 16667"/>
+              </a:avLst>
             </a:prstGeom>
             <a:noFill/>
             <a:ln w="57150">
@@ -4554,30 +4504,26 @@
             </a:fontRef>
           </p:style>
           <p:txBody>
-            <a:bodyPr rtlCol="0" anchor="ctr"/>
+            <a:bodyPr anchor="ctr"/>
             <a:lstStyle/>
             <a:p>
-              <a:pPr algn="ctr"/>
+              <a:pPr algn="ctr">
+                <a:defRPr/>
+              </a:pPr>
               <a:endParaRPr lang="ko-KR" altLang="en-US"/>
             </a:p>
           </p:txBody>
         </p:sp>
         <p:sp>
           <p:nvSpPr>
-            <p:cNvPr id="13" name="TextBox 12">
-              <a:extLst>
-                <a:ext uri="{FF2B5EF4-FFF2-40B4-BE49-F238E27FC236}">
-                  <a16:creationId xmlns:a16="http://schemas.microsoft.com/office/drawing/2014/main" id="{01A0FF0F-077E-42D9-8EA8-F3FC671B1E1C}"/>
-                </a:ext>
-              </a:extLst>
-            </p:cNvPr>
+            <p:cNvPr id="13" name="TextBox 12"/>
             <p:cNvSpPr txBox="1"/>
             <p:nvPr/>
           </p:nvSpPr>
           <p:spPr>
             <a:xfrm flipH="1">
-              <a:off x="2235634" y="1358660"/>
-              <a:ext cx="6909731" cy="1665257"/>
+              <a:off x="2235635" y="1358660"/>
+              <a:ext cx="6909731" cy="1730007"/>
             </a:xfrm>
             <a:prstGeom prst="rect">
               <a:avLst/>
@@ -4585,7 +4531,7 @@
             <a:noFill/>
           </p:spPr>
           <p:txBody>
-            <a:bodyPr wrap="square" rtlCol="0">
+            <a:bodyPr wrap="square">
               <a:spAutoFit/>
             </a:bodyPr>
             <a:lstStyle/>
@@ -4594,82 +4540,72 @@
                 <a:lnSpc>
                   <a:spcPct val="200000"/>
                 </a:lnSpc>
-              </a:pPr>
-              <a:r>
-                <a:rPr lang="ko-KR" altLang="en-US" sz="1600" spc="300"/>
-                <a:t>타인이 시도한 알람 코드 그대로 따라 했으나</a:t>
-              </a:r>
-              <a:r>
-                <a:rPr lang="en-US" altLang="ko-KR" sz="1600" spc="300"/>
-                <a:t>, </a:t>
-              </a:r>
-            </a:p>
-            <a:p>
-              <a:pPr>
-                <a:lnSpc>
-                  <a:spcPct val="200000"/>
-                </a:lnSpc>
+                <a:defRPr/>
               </a:pPr>
               <a:r>
                 <a:rPr lang="ko-KR" altLang="en-US" sz="1600" spc="300"/>
                 <a:t>오류 발생해서 해결 진행중</a:t>
               </a:r>
+              <a:endParaRPr lang="ko-KR" altLang="en-US" sz="1600" spc="300"/>
             </a:p>
           </p:txBody>
         </p:sp>
       </p:grpSp>
     </p:spTree>
-    <p:extLst>
-      <p:ext uri="{BB962C8B-B14F-4D97-AF65-F5344CB8AC3E}">
-        <p14:creationId xmlns:p14="http://schemas.microsoft.com/office/powerpoint/2010/main" val="1884658780"/>
-      </p:ext>
-    </p:extLst>
   </p:cSld>
   <p:clrMapOvr>
     <a:masterClrMapping/>
   </p:clrMapOvr>
+  <mc:AlternateContent xmlns:mc="http://schemas.openxmlformats.org/markup-compatibility/2006">
+    <mc:Choice xmlns:p14="http://schemas.microsoft.com/office/powerpoint/2010/main" Requires="p14">
+      <p:transition xmlns:mc="http://schemas.openxmlformats.org/markup-compatibility/2006" xmlns:p14="http://schemas.microsoft.com/office/powerpoint/2010/main" mc:Ignorable="p14" p14:dur="500"/>
+    </mc:Choice>
+    <mc:Fallback>
+      <p:transition/>
+    </mc:Fallback>
+  </mc:AlternateContent>
 </p:sld>
 </file>
 
 <file path=ppt/theme/theme1.xml><?xml version="1.0" encoding="utf-8"?>
-<a:theme xmlns:a="http://schemas.openxmlformats.org/drawingml/2006/main" name="Office 테마">
+<a:theme xmlns:r="http://schemas.openxmlformats.org/officeDocument/2006/relationships" xmlns:c="http://schemas.openxmlformats.org/drawingml/2006/chart" xmlns:dgm="http://schemas.openxmlformats.org/drawingml/2006/diagram" xmlns:dsp="http://schemas.microsoft.com/office/drawing/2008/diagram" xmlns:a="http://schemas.openxmlformats.org/drawingml/2006/main" xmlns:pic="http://schemas.openxmlformats.org/drawingml/2006/picture" xmlns:wp="http://schemas.openxmlformats.org/drawingml/2006/wordprocessingDrawing" xmlns:xdr="http://schemas.openxmlformats.org/drawingml/2006/spreadsheetDrawing" xmlns:lc="http://schemas.openxmlformats.org/drawingml/2006/lockedCanvas" xmlns:p="http://schemas.openxmlformats.org/presentationml/2006/main" name="Office 테마">
   <a:themeElements>
     <a:clrScheme name="클래식블루">
       <a:dk1>
         <a:sysClr val="windowText" lastClr="000000"/>
       </a:dk1>
       <a:lt1>
-        <a:sysClr val="window" lastClr="FFFFFF"/>
+        <a:sysClr val="window" lastClr="ffffff"/>
       </a:lt1>
       <a:dk2>
-        <a:srgbClr val="44546A"/>
+        <a:srgbClr val="44546a"/>
       </a:dk2>
       <a:lt2>
-        <a:srgbClr val="E7E6E6"/>
+        <a:srgbClr val="e7e6e6"/>
       </a:lt2>
       <a:accent1>
-        <a:srgbClr val="024B80"/>
+        <a:srgbClr val="024b80"/>
       </a:accent1>
       <a:accent2>
-        <a:srgbClr val="1282B0"/>
+        <a:srgbClr val="1282b0"/>
       </a:accent2>
       <a:accent3>
-        <a:srgbClr val="C5C2B3"/>
+        <a:srgbClr val="c5c2b3"/>
       </a:accent3>
       <a:accent4>
-        <a:srgbClr val="BEAD75"/>
+        <a:srgbClr val="bead75"/>
       </a:accent4>
       <a:accent5>
-        <a:srgbClr val="3371AE"/>
+        <a:srgbClr val="3371ae"/>
       </a:accent5>
       <a:accent6>
-        <a:srgbClr val="5F8BC8"/>
+        <a:srgbClr val="5f8bc8"/>
       </a:accent6>
       <a:hlink>
-        <a:srgbClr val="323F4F"/>
+        <a:srgbClr val="323f4f"/>
       </a:hlink>
       <a:folHlink>
-        <a:srgbClr val="323F4F"/>
+        <a:srgbClr val="323f4f"/>
       </a:folHlink>
     </a:clrScheme>
     <a:fontScheme name="나눔스퀘어">
@@ -4748,21 +4684,21 @@
             <a:schemeClr val="phClr"/>
           </a:solidFill>
           <a:prstDash val="solid"/>
-          <a:miter lim="800000"/>
+          <a:miter/>
         </a:ln>
         <a:ln w="12700" cap="flat" cmpd="sng" algn="ctr">
           <a:solidFill>
             <a:schemeClr val="phClr"/>
           </a:solidFill>
           <a:prstDash val="solid"/>
-          <a:miter lim="800000"/>
+          <a:miter/>
         </a:ln>
         <a:ln w="19050" cap="flat" cmpd="sng" algn="ctr">
           <a:solidFill>
             <a:schemeClr val="phClr"/>
           </a:solidFill>
           <a:prstDash val="solid"/>
-          <a:miter lim="800000"/>
+          <a:miter/>
         </a:ln>
       </a:lnStyleLst>
       <a:effectStyleLst>
@@ -4852,12 +4788,30 @@
         </a:fontRef>
       </a:style>
     </a:spDef>
+    <a:lnDef>
+      <a:spPr/>
+      <a:bodyPr/>
+      <a:lstStyle/>
+      <a:style>
+        <a:lnRef idx="1">
+          <a:schemeClr val="accent1"/>
+        </a:lnRef>
+        <a:fillRef idx="0">
+          <a:schemeClr val="accent1"/>
+        </a:fillRef>
+        <a:effectRef idx="0">
+          <a:schemeClr val="accent1"/>
+        </a:effectRef>
+        <a:fontRef idx="minor">
+          <a:schemeClr val="tx1"/>
+        </a:fontRef>
+      </a:style>
+    </a:lnDef>
+    <a:txDef>
+      <a:spPr/>
+      <a:bodyPr/>
+      <a:lstStyle/>
+    </a:txDef>
   </a:objectDefaults>
-  <a:extraClrSchemeLst/>
-  <a:extLst>
-    <a:ext uri="{05A4C25C-085E-4340-85A3-A5531E510DB2}">
-      <thm15:themeFamily xmlns:thm15="http://schemas.microsoft.com/office/thememl/2012/main" name="Office Theme" id="{62F939B6-93AF-4DB8-9C6B-D6C7DFDC589F}" vid="{4A3C46E8-61CC-4603-A589-7422A47A8E4A}"/>
-    </a:ext>
-  </a:extLst>
 </a:theme>
 </file>